--- a/TileFormats/FeatureTable/figures/feature-table-layout.pptx
+++ b/TileFormats/FeatureTable/figures/feature-table-layout.pptx
@@ -3119,8 +3119,8 @@
         </p:nvSpPr>
         <p:spPr>
           <a:xfrm>
-            <a:off x="186183" y="588635"/>
-            <a:ext cx="1415772" cy="400110"/>
+            <a:off x="186183" y="458388"/>
+            <a:ext cx="1031052" cy="400110"/>
           </a:xfrm>
           <a:prstGeom prst="rect">
             <a:avLst/>
@@ -3140,11 +3140,11 @@
           <a:p>
             <a:pPr algn="ctr"/>
             <a:r>
-              <a:rPr lang="en-US" sz="1000" dirty="0" err="1" smtClean="0">
+              <a:rPr lang="en-US" sz="1000" dirty="0" smtClean="0">
                 <a:latin typeface="Courier New"/>
                 <a:cs typeface="Courier New"/>
               </a:rPr>
-              <a:t>featureTableJSON</a:t>
+              <a:t>JSON Header</a:t>
             </a:r>
             <a:endParaRPr lang="en-US" sz="1000" dirty="0" smtClean="0">
               <a:latin typeface="Courier New"/>
@@ -3195,8 +3195,8 @@
         </p:nvSpPr>
         <p:spPr>
           <a:xfrm>
-            <a:off x="1601955" y="588635"/>
-            <a:ext cx="1569661" cy="400110"/>
+            <a:off x="1217235" y="458388"/>
+            <a:ext cx="1031052" cy="400110"/>
           </a:xfrm>
           <a:prstGeom prst="rect">
             <a:avLst/>
@@ -3217,11 +3217,11 @@
           <a:p>
             <a:pPr algn="ctr"/>
             <a:r>
-              <a:rPr lang="en-US" sz="1000" dirty="0" err="1" smtClean="0">
+              <a:rPr lang="en-US" sz="1000" dirty="0" smtClean="0">
                 <a:latin typeface="Courier New"/>
                 <a:cs typeface="Courier New"/>
               </a:rPr>
-              <a:t>featureTableBinary</a:t>
+              <a:t>Binary Body</a:t>
             </a:r>
             <a:endParaRPr lang="en-US" sz="1000" dirty="0" smtClean="0">
               <a:latin typeface="Courier New"/>
@@ -3245,8 +3245,8 @@
         </p:nvCxnSpPr>
         <p:spPr>
           <a:xfrm>
-            <a:off x="186183" y="425280"/>
-            <a:ext cx="2985433" cy="0"/>
+            <a:off x="186183" y="302169"/>
+            <a:ext cx="2062104" cy="0"/>
           </a:xfrm>
           <a:prstGeom prst="straightConnector1">
             <a:avLst/>
@@ -3282,7 +3282,7 @@
         </p:nvSpPr>
         <p:spPr>
           <a:xfrm>
-            <a:off x="1086428" y="174651"/>
+            <a:off x="624764" y="55948"/>
             <a:ext cx="1184941" cy="246221"/>
           </a:xfrm>
           <a:prstGeom prst="rect">
